--- a/lectures/02.observer/observer.pptx
+++ b/lectures/02.observer/observer.pptx
@@ -4910,7 +4910,7 @@
           <a:p>
             <a:r>
               <a:rPr lang="ru-RU" dirty="0" smtClean="0"/>
-              <a:t>Объекты в курсе событий</a:t>
+              <a:t>Паттерн «Наблюдатель»</a:t>
             </a:r>
             <a:endParaRPr lang="ru-RU" dirty="0"/>
           </a:p>
@@ -5022,11 +5022,7 @@
           <a:p>
             <a:r>
               <a:rPr lang="ru-RU" dirty="0" smtClean="0"/>
-              <a:t>Программирование </a:t>
-            </a:r>
-            <a:r>
-              <a:rPr lang="ru-RU" dirty="0" smtClean="0"/>
-              <a:t>на уровне конкретной реализации не позволяет добавлять и удалять визуальные элементы без внесения изменений в класс </a:t>
+              <a:t>Программирование на уровне конкретной реализации не позволяет добавлять и удалять визуальные элементы без внесения изменений в класс </a:t>
             </a:r>
             <a:r>
               <a:rPr lang="en-US" dirty="0" err="1" smtClean="0"/>
@@ -7666,11 +7662,7 @@
           <a:p>
             <a:r>
               <a:rPr lang="ru-RU" dirty="0" smtClean="0"/>
-              <a:t>Многие объекты используют одни и те же </a:t>
-            </a:r>
-            <a:r>
-              <a:rPr lang="ru-RU" dirty="0" smtClean="0"/>
-              <a:t>данные</a:t>
+              <a:t>Многие объекты используют одни и те же данные</a:t>
             </a:r>
           </a:p>
         </p:txBody>
@@ -7940,11 +7932,7 @@
             </a:r>
             <a:r>
               <a:rPr lang="ru-RU" dirty="0" smtClean="0"/>
-              <a:t>, если могут взаимодействовать, обладая минимумом информации друг о </a:t>
-            </a:r>
-            <a:r>
-              <a:rPr lang="ru-RU" dirty="0" smtClean="0"/>
-              <a:t>друге</a:t>
+              <a:t>, если могут взаимодействовать, обладая минимумом информации друг о друге</a:t>
             </a:r>
           </a:p>
           <a:p>
@@ -7955,7 +7943,6 @@
               <a:rPr lang="ru-RU" dirty="0" smtClean="0"/>
               <a:t>В паттерне Наблюдатель между субъектами и наблюдателями существует слабая связь</a:t>
             </a:r>
-            <a:endParaRPr lang="ru-RU" dirty="0" smtClean="0"/>
           </a:p>
         </p:txBody>
       </p:sp>
@@ -8038,11 +8025,7 @@
           <a:p>
             <a:r>
               <a:rPr lang="ru-RU" dirty="0" smtClean="0"/>
-              <a:t>Субъект </a:t>
-            </a:r>
-            <a:r>
-              <a:rPr lang="ru-RU" dirty="0" smtClean="0"/>
-              <a:t>знает о Наблюдателе лишь то, что тот реализует некоторый интерфейс </a:t>
+              <a:t>Субъект знает о Наблюдателе лишь то, что тот реализует некоторый интерфейс </a:t>
             </a:r>
             <a:r>
               <a:rPr lang="en-US" dirty="0" err="1" smtClean="0"/>
@@ -8266,11 +8249,7 @@
           <a:p>
             <a:r>
               <a:rPr lang="ru-RU" dirty="0" smtClean="0"/>
-              <a:t>Стремитесь к слабой связанности взаимодействующих </a:t>
-            </a:r>
-            <a:r>
-              <a:rPr lang="ru-RU" dirty="0" smtClean="0"/>
-              <a:t>объектов</a:t>
+              <a:t>Стремитесь к слабой связанности взаимодействующих объектов</a:t>
             </a:r>
           </a:p>
           <a:p>
@@ -19597,11 +19576,7 @@
             </a:r>
             <a:r>
               <a:rPr lang="ru-RU" dirty="0" smtClean="0"/>
-              <a:t>методы </a:t>
-            </a:r>
-            <a:r>
-              <a:rPr lang="ru-RU" dirty="0" smtClean="0"/>
-              <a:t>для получения текущих значений датчиков</a:t>
+              <a:t>методы для получения текущих значений датчиков</a:t>
             </a:r>
           </a:p>
           <a:p>
